--- a/Notes/Week9/Spark Streaming.pptx
+++ b/Notes/Week9/Spark Streaming.pptx
@@ -448,7 +448,7 @@
             <a:pPr algn="l"/>
             <a:fld id="{0DCFB061-4267-4D9F-8017-6F550D3068DF}" type="datetime1">
               <a:rPr lang="en-US" smtClean="0"/>
-              <a:t>7/17/2022</a:t>
+              <a:t>7/19/2022</a:t>
             </a:fld>
             <a:endParaRPr lang="en-US" dirty="0"/>
           </a:p>
@@ -641,7 +641,7 @@
           <a:p>
             <a:fld id="{8141BC61-5547-4A60-8DA1-6699760D9972}" type="datetime1">
               <a:rPr lang="en-US" smtClean="0"/>
-              <a:t>7/17/2022</a:t>
+              <a:t>7/19/2022</a:t>
             </a:fld>
             <a:endParaRPr lang="en-US" dirty="0"/>
           </a:p>
@@ -826,7 +826,7 @@
           <a:p>
             <a:fld id="{24B9D1C6-60D0-4CD1-8F31-F912522EB041}" type="datetime1">
               <a:rPr lang="en-US" smtClean="0"/>
-              <a:t>7/17/2022</a:t>
+              <a:t>7/19/2022</a:t>
             </a:fld>
             <a:endParaRPr lang="en-US" dirty="0"/>
           </a:p>
@@ -1055,7 +1055,7 @@
           <a:p>
             <a:fld id="{47A4ED5C-5A53-433E-8A55-46F54CE81DA5}" type="datetime1">
               <a:rPr lang="en-US" smtClean="0"/>
-              <a:t>7/17/2022</a:t>
+              <a:t>7/19/2022</a:t>
             </a:fld>
             <a:endParaRPr lang="en-US" dirty="0"/>
           </a:p>
@@ -1382,7 +1382,7 @@
           <a:p>
             <a:fld id="{29CABC0C-B6DF-45E9-B954-11C99AA62C3E}" type="datetime1">
               <a:rPr lang="en-US" smtClean="0"/>
-              <a:t>7/17/2022</a:t>
+              <a:t>7/19/2022</a:t>
             </a:fld>
             <a:endParaRPr lang="en-US" dirty="0"/>
           </a:p>
@@ -1678,7 +1678,7 @@
           <a:p>
             <a:fld id="{A4AB71B9-2624-4F21-93EE-35A78B1A0DAD}" type="datetime1">
               <a:rPr lang="en-US" smtClean="0"/>
-              <a:t>7/17/2022</a:t>
+              <a:t>7/19/2022</a:t>
             </a:fld>
             <a:endParaRPr lang="en-US" dirty="0"/>
           </a:p>
@@ -2099,7 +2099,7 @@
           <a:p>
             <a:fld id="{36D37C2A-BE2E-4840-A907-3254E2916C96}" type="datetime1">
               <a:rPr lang="en-US" smtClean="0"/>
-              <a:t>7/17/2022</a:t>
+              <a:t>7/19/2022</a:t>
             </a:fld>
             <a:endParaRPr lang="en-US" dirty="0"/>
           </a:p>
@@ -2297,7 +2297,7 @@
           <a:p>
             <a:fld id="{005CD215-1C45-48A0-8534-39FFE8A7C95A}" type="datetime1">
               <a:rPr lang="en-US" smtClean="0"/>
-              <a:t>7/17/2022</a:t>
+              <a:t>7/19/2022</a:t>
             </a:fld>
             <a:endParaRPr lang="en-US" dirty="0"/>
           </a:p>
@@ -2406,7 +2406,7 @@
           <a:p>
             <a:fld id="{D3363A0F-DEF3-4134-98D0-2E1276938A8B}" type="datetime1">
               <a:rPr lang="en-US" smtClean="0"/>
-              <a:t>7/17/2022</a:t>
+              <a:t>7/19/2022</a:t>
             </a:fld>
             <a:endParaRPr lang="en-US" dirty="0"/>
           </a:p>
@@ -2827,7 +2827,7 @@
           <a:p>
             <a:fld id="{61A2E4C8-2960-4ADD-862C-4D9643CB15AC}" type="datetime1">
               <a:rPr lang="en-US" smtClean="0"/>
-              <a:t>7/17/2022</a:t>
+              <a:t>7/19/2022</a:t>
             </a:fld>
             <a:endParaRPr lang="en-US" dirty="0"/>
           </a:p>
@@ -3180,7 +3180,7 @@
           <a:p>
             <a:fld id="{48BDEA15-09CD-4275-A8E0-385C965F48B0}" type="datetime1">
               <a:rPr lang="en-US" smtClean="0"/>
-              <a:t>7/17/2022</a:t>
+              <a:t>7/19/2022</a:t>
             </a:fld>
             <a:endParaRPr lang="en-US" dirty="0"/>
           </a:p>
@@ -3485,7 +3485,7 @@
           <a:p>
             <a:fld id="{4AF8082C-0922-4249-A612-B415F5231620}" type="datetime1">
               <a:rPr lang="en-US" smtClean="0"/>
-              <a:t>7/17/2022</a:t>
+              <a:t>7/19/2022</a:t>
             </a:fld>
             <a:endParaRPr lang="en-US" dirty="0"/>
           </a:p>
@@ -4013,14 +4013,14 @@
             <a:r>
               <a:rPr lang="en-US" sz="4400" dirty="0">
                 <a:solidFill>
-                  <a:schemeClr val="bg1"/>
+                  <a:schemeClr val="tx1"/>
                 </a:solidFill>
               </a:rPr>
               <a:t>Spark Streaming</a:t>
             </a:r>
             <a:endParaRPr lang="en-IN" sz="4400" dirty="0">
               <a:solidFill>
-                <a:schemeClr val="bg1"/>
+                <a:schemeClr val="tx1"/>
               </a:solidFill>
             </a:endParaRPr>
           </a:p>
